--- a/DEVintersection2014-WebForms-and-async-SayedHa.pptx
+++ b/DEVintersection2014-WebForms-and-async-SayedHa.pptx
@@ -5,15 +5,16 @@
     <p:sldMasterId id="2147483731" r:id="rId4"/>
   </p:sldMasterIdLst>
   <p:notesMasterIdLst>
-    <p:notesMasterId r:id="rId8"/>
+    <p:notesMasterId r:id="rId9"/>
   </p:notesMasterIdLst>
   <p:handoutMasterIdLst>
-    <p:handoutMasterId r:id="rId9"/>
+    <p:handoutMasterId r:id="rId10"/>
   </p:handoutMasterIdLst>
   <p:sldIdLst>
     <p:sldId id="463" r:id="rId5"/>
     <p:sldId id="544" r:id="rId6"/>
-    <p:sldId id="546" r:id="rId7"/>
+    <p:sldId id="547" r:id="rId7"/>
+    <p:sldId id="546" r:id="rId8"/>
   </p:sldIdLst>
   <p:sldSz cx="9144000" cy="6858000" type="screen4x3"/>
   <p:notesSz cx="7315200" cy="9601200"/>
@@ -149,6 +150,7 @@
           <p14:sldIdLst>
             <p14:sldId id="463"/>
             <p14:sldId id="544"/>
+            <p14:sldId id="547"/>
             <p14:sldId id="546"/>
           </p14:sldIdLst>
         </p14:section>
@@ -5171,6 +5173,20 @@
               </a:rPr>
               <a:t>Building Modern </a:t>
             </a:r>
+            <a:r>
+              <a:rPr lang="en-US" dirty="0" smtClean="0">
+                <a:latin typeface="+mj-lt"/>
+                <a:cs typeface="Mangal" pitchFamily="18" charset="0"/>
+              </a:rPr>
+              <a:t>Applications </a:t>
+            </a:r>
+            <a:r>
+              <a:rPr lang="en-US" dirty="0">
+                <a:latin typeface="+mj-lt"/>
+                <a:cs typeface="Mangal" pitchFamily="18" charset="0"/>
+              </a:rPr>
+              <a:t/>
+            </a:r>
             <a:br>
               <a:rPr lang="en-US" dirty="0">
                 <a:latin typeface="+mj-lt"/>
@@ -5182,46 +5198,21 @@
                 <a:latin typeface="+mj-lt"/>
                 <a:cs typeface="Mangal" pitchFamily="18" charset="0"/>
               </a:rPr>
-              <a:t>Applications </a:t>
-            </a:r>
-            <a:br>
+              <a:t>Using </a:t>
+            </a:r>
+            <a:r>
+              <a:rPr lang="en-US" dirty="0" smtClean="0">
+                <a:latin typeface="+mj-lt"/>
+                <a:cs typeface="Mangal" pitchFamily="18" charset="0"/>
+              </a:rPr>
+              <a:t>ASP.NET Web Forms </a:t>
+            </a:r>
+            <a:r>
               <a:rPr lang="en-US" dirty="0">
                 <a:latin typeface="+mj-lt"/>
                 <a:cs typeface="Mangal" pitchFamily="18" charset="0"/>
               </a:rPr>
-            </a:br>
-            <a:r>
-              <a:rPr lang="en-US" dirty="0">
-                <a:latin typeface="+mj-lt"/>
-                <a:cs typeface="Mangal" pitchFamily="18" charset="0"/>
-              </a:rPr>
-              <a:t>Using </a:t>
-            </a:r>
-            <a:br>
-              <a:rPr lang="en-US" dirty="0">
-                <a:latin typeface="+mj-lt"/>
-                <a:cs typeface="Mangal" pitchFamily="18" charset="0"/>
-              </a:rPr>
-            </a:br>
-            <a:r>
-              <a:rPr lang="en-US" dirty="0">
-                <a:latin typeface="+mj-lt"/>
-                <a:cs typeface="Mangal" pitchFamily="18" charset="0"/>
-              </a:rPr>
-              <a:t>ASP.NET Web </a:t>
-            </a:r>
-            <a:br>
-              <a:rPr lang="en-US" dirty="0">
-                <a:latin typeface="+mj-lt"/>
-                <a:cs typeface="Mangal" pitchFamily="18" charset="0"/>
-              </a:rPr>
-            </a:br>
-            <a:r>
-              <a:rPr lang="en-US" dirty="0">
-                <a:latin typeface="+mj-lt"/>
-                <a:cs typeface="Mangal" pitchFamily="18" charset="0"/>
-              </a:rPr>
-              <a:t>Forms and Async</a:t>
+              <a:t>and Async</a:t>
             </a:r>
             <a:endParaRPr lang="en-US" dirty="0">
               <a:solidFill>
@@ -5261,7 +5252,6 @@
               <a:rPr lang="en-US" dirty="0" smtClean="0"/>
               <a:t>SayedHa@Microsoft.com</a:t>
             </a:r>
-            <a:endParaRPr lang="en-US" dirty="0" smtClean="0"/>
           </a:p>
         </p:txBody>
       </p:sp>
@@ -5417,6 +5407,40 @@
               <a:rPr lang="en-US" dirty="0" smtClean="0"/>
               <a:t> </a:t>
             </a:r>
+            <a:endParaRPr lang="en-US" dirty="0" smtClean="0"/>
+          </a:p>
+          <a:p>
+            <a:r>
+              <a:rPr lang="en-US" dirty="0" smtClean="0"/>
+              <a:t>ASP.NET </a:t>
+            </a:r>
+            <a:r>
+              <a:rPr lang="en-US"/>
+              <a:t>Async Samples - </a:t>
+            </a:r>
+            <a:r>
+              <a:rPr lang="en-US">
+                <a:hlinkClick r:id="rId5"/>
+              </a:rPr>
+              <a:t>https://</a:t>
+            </a:r>
+            <a:r>
+              <a:rPr lang="en-US">
+                <a:hlinkClick r:id="rId5"/>
+              </a:rPr>
+              <a:t>github.com/RickAndMSFT/Async-ASP.NET</a:t>
+            </a:r>
+            <a:r>
+              <a:rPr lang="en-US" smtClean="0">
+                <a:hlinkClick r:id="rId5"/>
+              </a:rPr>
+              <a:t>/</a:t>
+            </a:r>
+            <a:r>
+              <a:rPr lang="en-US" smtClean="0"/>
+              <a:t> </a:t>
+            </a:r>
+            <a:endParaRPr lang="en-US" dirty="0" smtClean="0"/>
           </a:p>
           <a:p>
             <a:r>
@@ -5429,13 +5453,13 @@
             </a:r>
             <a:r>
               <a:rPr lang="en-US" dirty="0">
-                <a:hlinkClick r:id="rId5"/>
+                <a:hlinkClick r:id="rId6"/>
               </a:rPr>
               <a:t>http://</a:t>
             </a:r>
             <a:r>
               <a:rPr lang="en-US" dirty="0" smtClean="0">
-                <a:hlinkClick r:id="rId5"/>
+                <a:hlinkClick r:id="rId6"/>
               </a:rPr>
               <a:t>www.asp.net/visual-studio/overview/2013/creating-web-projects-in-visual-studio</a:t>
             </a:r>
@@ -5471,6 +5495,107 @@
 </file>
 
 <file path=ppt/slides/slide3.xml><?xml version="1.0" encoding="utf-8"?>
+<p:sld xmlns:a="http://schemas.openxmlformats.org/drawingml/2006/main" xmlns:r="http://schemas.openxmlformats.org/officeDocument/2006/relationships" xmlns:p="http://schemas.openxmlformats.org/presentationml/2006/main">
+  <p:cSld>
+    <p:spTree>
+      <p:nvGrpSpPr>
+        <p:cNvPr id="1" name=""/>
+        <p:cNvGrpSpPr/>
+        <p:nvPr/>
+      </p:nvGrpSpPr>
+      <p:grpSpPr>
+        <a:xfrm>
+          <a:off x="0" y="0"/>
+          <a:ext cx="0" cy="0"/>
+          <a:chOff x="0" y="0"/>
+          <a:chExt cx="0" cy="0"/>
+        </a:xfrm>
+      </p:grpSpPr>
+      <p:sp>
+        <p:nvSpPr>
+          <p:cNvPr id="2" name="Title 1"/>
+          <p:cNvSpPr>
+            <a:spLocks noGrp="1"/>
+          </p:cNvSpPr>
+          <p:nvPr>
+            <p:ph type="title"/>
+          </p:nvPr>
+        </p:nvSpPr>
+        <p:spPr/>
+        <p:txBody>
+          <a:bodyPr/>
+          <a:lstStyle/>
+          <a:p>
+            <a:r>
+              <a:rPr lang="en-US" dirty="0" smtClean="0"/>
+              <a:t>ASP.NET Async Comments</a:t>
+            </a:r>
+            <a:endParaRPr lang="en-US" dirty="0"/>
+          </a:p>
+        </p:txBody>
+      </p:sp>
+      <p:sp>
+        <p:nvSpPr>
+          <p:cNvPr id="3" name="Text Placeholder 2"/>
+          <p:cNvSpPr>
+            <a:spLocks noGrp="1"/>
+          </p:cNvSpPr>
+          <p:nvPr>
+            <p:ph type="body" idx="1"/>
+          </p:nvPr>
+        </p:nvSpPr>
+        <p:spPr/>
+        <p:txBody>
+          <a:bodyPr/>
+          <a:lstStyle/>
+          <a:p>
+            <a:r>
+              <a:rPr lang="en-US" dirty="0" smtClean="0"/>
+              <a:t>Don’t use </a:t>
+            </a:r>
+            <a:r>
+              <a:rPr lang="en-US" dirty="0" err="1" smtClean="0"/>
+              <a:t>Task.Run</a:t>
+            </a:r>
+            <a:r>
+              <a:rPr lang="en-US" dirty="0" smtClean="0"/>
+              <a:t>, </a:t>
+            </a:r>
+            <a:r>
+              <a:rPr lang="en-US" dirty="0" err="1" smtClean="0"/>
+              <a:t>Task.Factory.StartNew</a:t>
+            </a:r>
+            <a:endParaRPr lang="en-US" dirty="0"/>
+          </a:p>
+          <a:p>
+            <a:pPr lvl="1"/>
+            <a:r>
+              <a:rPr lang="en-US" dirty="0" smtClean="0"/>
+              <a:t>In ASP.NET all threads are equal so you’re just adding overhead</a:t>
+            </a:r>
+          </a:p>
+          <a:p>
+            <a:endParaRPr lang="en-US" dirty="0"/>
+          </a:p>
+        </p:txBody>
+      </p:sp>
+    </p:spTree>
+    <p:extLst>
+      <p:ext uri="{BB962C8B-B14F-4D97-AF65-F5344CB8AC3E}">
+        <p14:creationId xmlns:p14="http://schemas.microsoft.com/office/powerpoint/2010/main" val="291474995"/>
+      </p:ext>
+    </p:extLst>
+  </p:cSld>
+  <p:clrMapOvr>
+    <a:masterClrMapping/>
+  </p:clrMapOvr>
+  <p:transition>
+    <p:fade/>
+  </p:transition>
+</p:sld>
+</file>
+
+<file path=ppt/slides/slide4.xml><?xml version="1.0" encoding="utf-8"?>
 <p:sld xmlns:a="http://schemas.openxmlformats.org/drawingml/2006/main" xmlns:r="http://schemas.openxmlformats.org/officeDocument/2006/relationships" xmlns:p="http://schemas.openxmlformats.org/presentationml/2006/main">
   <p:cSld>
     <p:spTree>
@@ -7384,21 +7509,6 @@
 </file>
 
 <file path=customXml/item1.xml><?xml version="1.0" encoding="utf-8"?>
-<?mso-contentType ?>
-<FormTemplates xmlns="http://schemas.microsoft.com/sharepoint/v3/contenttype/forms">
-  <Display>DocumentLibraryForm</Display>
-  <Edit>DocumentLibraryForm</Edit>
-  <New>DocumentLibraryForm</New>
-</FormTemplates>
-</file>
-
-<file path=customXml/item2.xml><?xml version="1.0" encoding="utf-8"?>
-<p:properties xmlns:p="http://schemas.microsoft.com/office/2006/metadata/properties" xmlns:xsi="http://www.w3.org/2001/XMLSchema-instance">
-  <documentManagement/>
-</p:properties>
-</file>
-
-<file path=customXml/item3.xml><?xml version="1.0" encoding="utf-8"?>
 <ct:contentTypeSchema xmlns:ct="http://schemas.microsoft.com/office/2006/metadata/contentType" xmlns:ma="http://schemas.microsoft.com/office/2006/metadata/properties/metaAttributes" ct:_="" ma:_="" ma:contentTypeName="Document" ma:contentTypeID="0x0101003865B9DCC8F7FB4A82840FBDE1FC983A" ma:contentTypeVersion="0" ma:contentTypeDescription="Create a new document." ma:contentTypeScope="" ma:versionID="ecd0916681f32cda70880b341f4a8911">
   <xsd:schema xmlns:xsd="http://www.w3.org/2001/XMLSchema" xmlns:p="http://schemas.microsoft.com/office/2006/metadata/properties" targetNamespace="http://schemas.microsoft.com/office/2006/metadata/properties" ma:root="true" ma:fieldsID="4aeb20c0e3442673af7ee10786458764">
     <xsd:element name="properties">
@@ -7447,29 +7557,22 @@
 </ct:contentTypeSchema>
 </file>
 
-<file path=customXml/itemProps1.xml><?xml version="1.0" encoding="utf-8"?>
-<ds:datastoreItem xmlns:ds="http://schemas.openxmlformats.org/officeDocument/2006/customXml" ds:itemID="{1685463B-57CE-4CE4-B1CF-FE44EB79BFA3}">
-  <ds:schemaRefs>
-    <ds:schemaRef ds:uri="http://schemas.microsoft.com/sharepoint/v3/contenttype/forms"/>
-  </ds:schemaRefs>
-</ds:datastoreItem>
+<file path=customXml/item2.xml><?xml version="1.0" encoding="utf-8"?>
+<?mso-contentType ?>
+<FormTemplates xmlns="http://schemas.microsoft.com/sharepoint/v3/contenttype/forms">
+  <Display>DocumentLibraryForm</Display>
+  <Edit>DocumentLibraryForm</Edit>
+  <New>DocumentLibraryForm</New>
+</FormTemplates>
 </file>
 
-<file path=customXml/itemProps2.xml><?xml version="1.0" encoding="utf-8"?>
-<ds:datastoreItem xmlns:ds="http://schemas.openxmlformats.org/officeDocument/2006/customXml" ds:itemID="{2D498799-B0FC-4B7A-8396-BFC34D805990}">
-  <ds:schemaRefs>
-    <ds:schemaRef ds:uri="http://schemas.microsoft.com/office/2006/documentManagement/types"/>
-    <ds:schemaRef ds:uri="http://purl.org/dc/terms/"/>
-    <ds:schemaRef ds:uri="http://schemas.openxmlformats.org/package/2006/metadata/core-properties"/>
-    <ds:schemaRef ds:uri="http://purl.org/dc/dcmitype/"/>
-    <ds:schemaRef ds:uri="http://purl.org/dc/elements/1.1/"/>
-    <ds:schemaRef ds:uri="http://schemas.microsoft.com/office/2006/metadata/properties"/>
-    <ds:schemaRef ds:uri="http://www.w3.org/XML/1998/namespace"/>
-  </ds:schemaRefs>
-</ds:datastoreItem>
+<file path=customXml/item3.xml><?xml version="1.0" encoding="utf-8"?>
+<p:properties xmlns:p="http://schemas.microsoft.com/office/2006/metadata/properties" xmlns:xsi="http://www.w3.org/2001/XMLSchema-instance">
+  <documentManagement/>
+</p:properties>
 </file>
 
-<file path=customXml/itemProps3.xml><?xml version="1.0" encoding="utf-8"?>
+<file path=customXml/itemProps1.xml><?xml version="1.0" encoding="utf-8"?>
 <ds:datastoreItem xmlns:ds="http://schemas.openxmlformats.org/officeDocument/2006/customXml" ds:itemID="{1DEB1AF8-B785-4B22-89EC-168618F34A5B}">
   <ds:schemaRefs>
     <ds:schemaRef ds:uri="http://schemas.microsoft.com/office/2006/metadata/contentType"/>
@@ -7482,4 +7585,26 @@
     <ds:schemaRef ds:uri="http://schemas.microsoft.com/office/internal/2005/internalDocumentation"/>
   </ds:schemaRefs>
 </ds:datastoreItem>
+</file>
+
+<file path=customXml/itemProps2.xml><?xml version="1.0" encoding="utf-8"?>
+<ds:datastoreItem xmlns:ds="http://schemas.openxmlformats.org/officeDocument/2006/customXml" ds:itemID="{1685463B-57CE-4CE4-B1CF-FE44EB79BFA3}">
+  <ds:schemaRefs>
+    <ds:schemaRef ds:uri="http://schemas.microsoft.com/sharepoint/v3/contenttype/forms"/>
+  </ds:schemaRefs>
+</ds:datastoreItem>
+</file>
+
+<file path=customXml/itemProps3.xml><?xml version="1.0" encoding="utf-8"?>
+<ds:datastoreItem xmlns:ds="http://schemas.openxmlformats.org/officeDocument/2006/customXml" ds:itemID="{2D498799-B0FC-4B7A-8396-BFC34D805990}">
+  <ds:schemaRefs>
+    <ds:schemaRef ds:uri="http://purl.org/dc/dcmitype/"/>
+    <ds:schemaRef ds:uri="http://schemas.microsoft.com/office/2006/documentManagement/types"/>
+    <ds:schemaRef ds:uri="http://purl.org/dc/elements/1.1/"/>
+    <ds:schemaRef ds:uri="http://schemas.microsoft.com/office/2006/metadata/properties"/>
+    <ds:schemaRef ds:uri="http://purl.org/dc/terms/"/>
+    <ds:schemaRef ds:uri="http://schemas.openxmlformats.org/package/2006/metadata/core-properties"/>
+    <ds:schemaRef ds:uri="http://www.w3.org/XML/1998/namespace"/>
+  </ds:schemaRefs>
+</ds:datastoreItem>
 </file>